--- a/aulas/t/old/SCO-T1-A07-A08.pptx
+++ b/aulas/t/old/SCO-T1-A07-A08.pptx
@@ -2956,7 +2956,15 @@
           <a:p>
             <a:r>
               <a:rPr lang="en-GB" dirty="0"/>
-              <a:t>“Ilimitada” dependa da memório disponível para o efeito no sistema</a:t>
+              <a:t>“Ilimitada” dependa da </a:t>
+            </a:r>
+            <a:r>
+              <a:rPr lang="en-GB" dirty="0" err="1"/>
+              <a:t>memória</a:t>
+            </a:r>
+            <a:r>
+              <a:rPr lang="en-GB" dirty="0"/>
+              <a:t> disponível para o efeito no sistema</a:t>
             </a:r>
           </a:p>
         </p:txBody>
@@ -18516,7 +18524,7 @@
         <p:spPr bwMode="auto">
           <a:xfrm>
             <a:off x="540000" y="841276"/>
-            <a:ext cx="8064448" cy="3568914"/>
+            <a:ext cx="8064448" cy="3938245"/>
           </a:xfrm>
           <a:prstGeom prst="rect">
             <a:avLst/>
@@ -18576,12 +18584,17 @@
             </a:pPr>
             <a:r>
               <a:rPr lang="pt-PT" sz="2800" b="0" i="0" dirty="0"/>
-              <a:t>Password Geral: </a:t>
-            </a:r>
-            <a:r>
-              <a:rPr lang="pt-PT" sz="2800" i="0" dirty="0"/>
-              <a:t>sc2021</a:t>
-            </a:r>
+              <a:t>Password Geral</a:t>
+            </a:r>
+            <a:r>
+              <a:rPr lang="pt-PT" sz="2800" b="0" i="0"/>
+              <a:t>: </a:t>
+            </a:r>
+            <a:r>
+              <a:rPr lang="pt-PT" sz="2800" i="0"/>
+              <a:t>sc2122</a:t>
+            </a:r>
+            <a:endParaRPr lang="pt-PT" sz="2800" i="0" dirty="0"/>
           </a:p>
           <a:p>
             <a:pPr marL="357188" lvl="1" indent="-177800" algn="l" defTabSz="704085">
@@ -18618,7 +18631,7 @@
             </a:pPr>
             <a:r>
               <a:rPr lang="pt-PT" sz="2000" i="0" dirty="0"/>
-              <a:t>2 conjuntos (base e standard) de 2 questões (em 5+) + 1 questão (em 3 do conjunto Hard)</a:t>
+              <a:t>2 conjuntos (base e standard) de 2 questões (em 5+) + 1 questão (em 4+ do conjunto Hard)</a:t>
             </a:r>
             <a:r>
               <a:rPr lang="pt-PT" sz="2000" b="0" i="0" dirty="0"/>
@@ -18639,7 +18652,15 @@
             </a:r>
             <a:r>
               <a:rPr lang="pt-PT" sz="2000" i="0" dirty="0"/>
-              <a:t>16h até às 23h59 de sexta, 5 de novembro</a:t>
+              <a:t>18h de quinta 7 de abril </a:t>
+            </a:r>
+            <a:r>
+              <a:rPr lang="pt-PT" sz="2000" b="0" i="0" dirty="0"/>
+              <a:t>até às </a:t>
+            </a:r>
+            <a:r>
+              <a:rPr lang="pt-PT" sz="2000" i="0" dirty="0"/>
+              <a:t>23h59 de sexta, 8 de abril</a:t>
             </a:r>
             <a:r>
               <a:rPr lang="pt-PT" sz="2000" b="0" i="0" dirty="0"/>

--- a/aulas/t/old/SCO-T1-A07-A08.pptx
+++ b/aulas/t/old/SCO-T1-A07-A08.pptx
@@ -10052,7 +10052,7 @@
             <a:pPr defTabSz="800100"/>
             <a:r>
               <a:rPr lang="pt-PT" sz="1800" dirty="0"/>
-              <a:t>endereços crescentes</a:t>
+              <a:t>endereços decrescentes</a:t>
             </a:r>
           </a:p>
         </p:txBody>
@@ -10073,7 +10073,7 @@
         </p:nvSpPr>
         <p:spPr bwMode="auto">
           <a:xfrm>
-            <a:off x="3006330" y="185698"/>
+            <a:off x="3006330" y="154437"/>
             <a:ext cx="5310086" cy="420688"/>
           </a:xfrm>
           <a:prstGeom prst="rect">
@@ -12805,7 +12805,7 @@
             <a:pPr defTabSz="800100"/>
             <a:r>
               <a:rPr lang="pt-PT" sz="1800" dirty="0"/>
-              <a:t>endereços crescentes</a:t>
+              <a:t>endereços decrescentes</a:t>
             </a:r>
           </a:p>
         </p:txBody>

--- a/aulas/t/old/SCO-T1-A07-A08.pptx
+++ b/aulas/t/old/SCO-T1-A07-A08.pptx
@@ -14528,7 +14528,7 @@
                 <a:latin typeface="Courier New" panose="02070309020205020404" pitchFamily="49" charset="0"/>
                 <a:cs typeface="Courier New" panose="02070309020205020404" pitchFamily="49" charset="0"/>
               </a:rPr>
-              <a:t>START	...			;Program code</a:t>
+              <a:t>SIZE		fill		1 * 4</a:t>
             </a:r>
           </a:p>
           <a:p>
@@ -14545,17 +14545,17 @@
                 <a:latin typeface="Courier New" panose="02070309020205020404" pitchFamily="49" charset="0"/>
                 <a:cs typeface="Courier New" panose="02070309020205020404" pitchFamily="49" charset="0"/>
               </a:rPr>
-              <a:t>		adr r0, STR1</a:t>
-            </a:r>
-            <a:r>
-              <a:rPr lang="en-US" sz="1200" i="0" dirty="0">
-                <a:solidFill>
-                  <a:srgbClr val="FF0000"/>
+              <a:t>STR1		</a:t>
+            </a:r>
+            <a:r>
+              <a:rPr lang="en-US" sz="1200" i="0" dirty="0" err="1">
+                <a:solidFill>
+                  <a:schemeClr val="accent2"/>
                 </a:solidFill>
                 <a:latin typeface="Courier New" panose="02070309020205020404" pitchFamily="49" charset="0"/>
                 <a:cs typeface="Courier New" panose="02070309020205020404" pitchFamily="49" charset="0"/>
               </a:rPr>
-              <a:t> </a:t>
+              <a:t>dcb</a:t>
             </a:r>
             <a:r>
               <a:rPr lang="en-US" sz="1200" i="0" dirty="0">
@@ -14565,7 +14565,27 @@
                 <a:latin typeface="Courier New" panose="02070309020205020404" pitchFamily="49" charset="0"/>
                 <a:cs typeface="Courier New" panose="02070309020205020404" pitchFamily="49" charset="0"/>
               </a:rPr>
-              <a:t>		;r0 with STR1 address</a:t>
+              <a:t>		'F', 'r', 'a', 'n', 'c', '</a:t>
+            </a:r>
+            <a:r>
+              <a:rPr lang="en-US" sz="1200" i="0" dirty="0" err="1">
+                <a:solidFill>
+                  <a:schemeClr val="accent2"/>
+                </a:solidFill>
+                <a:latin typeface="Courier New" panose="02070309020205020404" pitchFamily="49" charset="0"/>
+                <a:cs typeface="Courier New" panose="02070309020205020404" pitchFamily="49" charset="0"/>
+              </a:rPr>
+              <a:t>i</a:t>
+            </a:r>
+            <a:r>
+              <a:rPr lang="en-US" sz="1200" i="0" dirty="0">
+                <a:solidFill>
+                  <a:schemeClr val="accent2"/>
+                </a:solidFill>
+                <a:latin typeface="Courier New" panose="02070309020205020404" pitchFamily="49" charset="0"/>
+                <a:cs typeface="Courier New" panose="02070309020205020404" pitchFamily="49" charset="0"/>
+              </a:rPr>
+              <a:t>', 's', 'c', 'o', 0</a:t>
             </a:r>
           </a:p>
           <a:p>
@@ -14582,17 +14602,17 @@
                 <a:latin typeface="Courier New" panose="02070309020205020404" pitchFamily="49" charset="0"/>
                 <a:cs typeface="Courier New" panose="02070309020205020404" pitchFamily="49" charset="0"/>
               </a:rPr>
-              <a:t>JUMPTO	bl </a:t>
-            </a:r>
-            <a:r>
-              <a:rPr lang="en-US" sz="1200" i="0" dirty="0">
-                <a:solidFill>
-                  <a:srgbClr val="FF0000"/>
+              <a:t>START	</a:t>
+            </a:r>
+            <a:r>
+              <a:rPr lang="en-US" sz="1200" i="0" dirty="0" err="1">
+                <a:solidFill>
+                  <a:schemeClr val="accent2"/>
                 </a:solidFill>
                 <a:latin typeface="Courier New" panose="02070309020205020404" pitchFamily="49" charset="0"/>
                 <a:cs typeface="Courier New" panose="02070309020205020404" pitchFamily="49" charset="0"/>
               </a:rPr>
-              <a:t>STRLEN </a:t>
+              <a:t>adr</a:t>
             </a:r>
             <a:r>
               <a:rPr lang="en-US" sz="1200" i="0" dirty="0">
@@ -14602,17 +14622,159 @@
                 <a:latin typeface="Courier New" panose="02070309020205020404" pitchFamily="49" charset="0"/>
                 <a:cs typeface="Courier New" panose="02070309020205020404" pitchFamily="49" charset="0"/>
               </a:rPr>
-              <a:t>		;jump to subroutine </a:t>
-            </a:r>
+              <a:t>		r0, STR1 		;r0 with STR1 address</a:t>
+            </a:r>
+          </a:p>
+          <a:p>
+            <a:pPr marL="179388" lvl="1" algn="just" defTabSz="624078">
+              <a:lnSpc>
+                <a:spcPct val="120000"/>
+              </a:lnSpc>
+            </a:pPr>
             <a:r>
               <a:rPr lang="en-US" sz="1200" i="0" dirty="0">
                 <a:solidFill>
-                  <a:srgbClr val="FF0000"/>
+                  <a:schemeClr val="accent2"/>
                 </a:solidFill>
                 <a:latin typeface="Courier New" panose="02070309020205020404" pitchFamily="49" charset="0"/>
                 <a:cs typeface="Courier New" panose="02070309020205020404" pitchFamily="49" charset="0"/>
               </a:rPr>
-              <a:t>STRLEN</a:t>
+              <a:t>JUMPTO	bl		STRLEN 		;jump to subroutine STRLEN</a:t>
+            </a:r>
+          </a:p>
+          <a:p>
+            <a:pPr marL="179388" lvl="1" algn="just" defTabSz="624078">
+              <a:lnSpc>
+                <a:spcPct val="120000"/>
+              </a:lnSpc>
+            </a:pPr>
+            <a:r>
+              <a:rPr lang="en-US" sz="1200" i="0" dirty="0">
+                <a:solidFill>
+                  <a:schemeClr val="accent2"/>
+                </a:solidFill>
+                <a:latin typeface="Courier New" panose="02070309020205020404" pitchFamily="49" charset="0"/>
+                <a:cs typeface="Courier New" panose="02070309020205020404" pitchFamily="49" charset="0"/>
+              </a:rPr>
+              <a:t>RETURNHERE	</a:t>
+            </a:r>
+            <a:r>
+              <a:rPr lang="en-US" sz="1200" i="0" dirty="0" err="1">
+                <a:solidFill>
+                  <a:schemeClr val="accent2"/>
+                </a:solidFill>
+                <a:latin typeface="Courier New" panose="02070309020205020404" pitchFamily="49" charset="0"/>
+                <a:cs typeface="Courier New" panose="02070309020205020404" pitchFamily="49" charset="0"/>
+              </a:rPr>
+              <a:t>adr</a:t>
+            </a:r>
+            <a:r>
+              <a:rPr lang="en-US" sz="1200" i="0" dirty="0">
+                <a:solidFill>
+                  <a:schemeClr val="accent2"/>
+                </a:solidFill>
+                <a:latin typeface="Courier New" panose="02070309020205020404" pitchFamily="49" charset="0"/>
+                <a:cs typeface="Courier New" panose="02070309020205020404" pitchFamily="49" charset="0"/>
+              </a:rPr>
+              <a:t>		r2, SIZE		;store length in address SIZE</a:t>
+            </a:r>
+          </a:p>
+          <a:p>
+            <a:pPr marL="179388" lvl="1" algn="just" defTabSz="624078">
+              <a:lnSpc>
+                <a:spcPct val="120000"/>
+              </a:lnSpc>
+            </a:pPr>
+            <a:r>
+              <a:rPr lang="en-US" sz="1200" i="0" dirty="0">
+                <a:solidFill>
+                  <a:schemeClr val="accent2"/>
+                </a:solidFill>
+                <a:latin typeface="Courier New" panose="02070309020205020404" pitchFamily="49" charset="0"/>
+                <a:cs typeface="Courier New" panose="02070309020205020404" pitchFamily="49" charset="0"/>
+              </a:rPr>
+              <a:t>		str		r0, [r2]</a:t>
+            </a:r>
+          </a:p>
+          <a:p>
+            <a:pPr marL="179388" lvl="1" algn="just" defTabSz="624078">
+              <a:lnSpc>
+                <a:spcPct val="120000"/>
+              </a:lnSpc>
+            </a:pPr>
+            <a:r>
+              <a:rPr lang="en-US" sz="1200" i="0" dirty="0">
+                <a:solidFill>
+                  <a:schemeClr val="accent2"/>
+                </a:solidFill>
+                <a:latin typeface="Courier New" panose="02070309020205020404" pitchFamily="49" charset="0"/>
+                <a:cs typeface="Courier New" panose="02070309020205020404" pitchFamily="49" charset="0"/>
+              </a:rPr>
+              <a:t>		end</a:t>
+            </a:r>
+          </a:p>
+          <a:p>
+            <a:pPr marL="179388" lvl="1" algn="just" defTabSz="624078">
+              <a:lnSpc>
+                <a:spcPct val="120000"/>
+              </a:lnSpc>
+            </a:pPr>
+            <a:r>
+              <a:rPr lang="en-US" sz="1200" i="0" dirty="0">
+                <a:solidFill>
+                  <a:schemeClr val="accent2"/>
+                </a:solidFill>
+                <a:latin typeface="Courier New" panose="02070309020205020404" pitchFamily="49" charset="0"/>
+                <a:cs typeface="Courier New" panose="02070309020205020404" pitchFamily="49" charset="0"/>
+              </a:rPr>
+              <a:t>			</a:t>
+            </a:r>
+          </a:p>
+          <a:p>
+            <a:pPr marL="179388" lvl="1" algn="just" defTabSz="624078">
+              <a:lnSpc>
+                <a:spcPct val="120000"/>
+              </a:lnSpc>
+            </a:pPr>
+            <a:r>
+              <a:rPr lang="en-US" sz="1200" i="0" dirty="0">
+                <a:solidFill>
+                  <a:schemeClr val="accent2"/>
+                </a:solidFill>
+                <a:latin typeface="Courier New" panose="02070309020205020404" pitchFamily="49" charset="0"/>
+                <a:cs typeface="Courier New" panose="02070309020205020404" pitchFamily="49" charset="0"/>
+              </a:rPr>
+              <a:t>		;input: R0 (</a:t>
+            </a:r>
+            <a:r>
+              <a:rPr lang="en-US" sz="1200" i="0">
+                <a:solidFill>
+                  <a:schemeClr val="accent2"/>
+                </a:solidFill>
+                <a:latin typeface="Courier New" panose="02070309020205020404" pitchFamily="49" charset="0"/>
+                <a:cs typeface="Courier New" panose="02070309020205020404" pitchFamily="49" charset="0"/>
+              </a:rPr>
+              <a:t>string address) / </a:t>
+            </a:r>
+            <a:r>
+              <a:rPr lang="en-US" sz="1200" i="0" dirty="0">
+                <a:solidFill>
+                  <a:schemeClr val="accent2"/>
+                </a:solidFill>
+                <a:latin typeface="Courier New" panose="02070309020205020404" pitchFamily="49" charset="0"/>
+                <a:cs typeface="Courier New" panose="02070309020205020404" pitchFamily="49" charset="0"/>
+              </a:rPr>
+              <a:t>output: </a:t>
+            </a:r>
+            <a:r>
+              <a:rPr lang="en-US" sz="1200" i="0">
+                <a:solidFill>
+                  <a:schemeClr val="accent2"/>
+                </a:solidFill>
+                <a:latin typeface="Courier New" panose="02070309020205020404" pitchFamily="49" charset="0"/>
+                <a:cs typeface="Courier New" panose="02070309020205020404" pitchFamily="49" charset="0"/>
+              </a:rPr>
+              <a:t>R1 (count)</a:t>
             </a:r>
             <a:endParaRPr lang="en-US" sz="1200" i="0" dirty="0">
               <a:solidFill>
@@ -14636,7 +14798,7 @@
                 <a:latin typeface="Courier New" panose="02070309020205020404" pitchFamily="49" charset="0"/>
                 <a:cs typeface="Courier New" panose="02070309020205020404" pitchFamily="49" charset="0"/>
               </a:rPr>
-              <a:t>RETURNHERE	adr r2, SIZE		;store length in address SIZE</a:t>
+              <a:t>STRLEN	mov		r1, #0		;R1 will gave the size</a:t>
             </a:r>
           </a:p>
           <a:p>
@@ -14653,7 +14815,27 @@
                 <a:latin typeface="Courier New" panose="02070309020205020404" pitchFamily="49" charset="0"/>
                 <a:cs typeface="Courier New" panose="02070309020205020404" pitchFamily="49" charset="0"/>
               </a:rPr>
-              <a:t>		str r0, [r2]</a:t>
+              <a:t>LENCICLE	</a:t>
+            </a:r>
+            <a:r>
+              <a:rPr lang="en-US" sz="1200" i="0" dirty="0" err="1">
+                <a:solidFill>
+                  <a:schemeClr val="accent2"/>
+                </a:solidFill>
+                <a:latin typeface="Courier New" panose="02070309020205020404" pitchFamily="49" charset="0"/>
+                <a:cs typeface="Courier New" panose="02070309020205020404" pitchFamily="49" charset="0"/>
+              </a:rPr>
+              <a:t>ldrb</a:t>
+            </a:r>
+            <a:r>
+              <a:rPr lang="en-US" sz="1200" i="0" dirty="0">
+                <a:solidFill>
+                  <a:schemeClr val="accent2"/>
+                </a:solidFill>
+                <a:latin typeface="Courier New" panose="02070309020205020404" pitchFamily="49" charset="0"/>
+                <a:cs typeface="Courier New" panose="02070309020205020404" pitchFamily="49" charset="0"/>
+              </a:rPr>
+              <a:t>		r2, [r0], #1	;get char and post increment</a:t>
             </a:r>
           </a:p>
           <a:p>
@@ -14670,7 +14852,7 @@
                 <a:latin typeface="Courier New" panose="02070309020205020404" pitchFamily="49" charset="0"/>
                 <a:cs typeface="Courier New" panose="02070309020205020404" pitchFamily="49" charset="0"/>
               </a:rPr>
-              <a:t>		...</a:t>
+              <a:t>		add		r1, r1, #1	;add one more char count</a:t>
             </a:r>
           </a:p>
           <a:p>
@@ -14687,7 +14869,27 @@
                 <a:latin typeface="Courier New" panose="02070309020205020404" pitchFamily="49" charset="0"/>
                 <a:cs typeface="Courier New" panose="02070309020205020404" pitchFamily="49" charset="0"/>
               </a:rPr>
-              <a:t>		end</a:t>
+              <a:t>		</a:t>
+            </a:r>
+            <a:r>
+              <a:rPr lang="en-US" sz="1200" i="0" dirty="0" err="1">
+                <a:solidFill>
+                  <a:schemeClr val="accent2"/>
+                </a:solidFill>
+                <a:latin typeface="Courier New" panose="02070309020205020404" pitchFamily="49" charset="0"/>
+                <a:cs typeface="Courier New" panose="02070309020205020404" pitchFamily="49" charset="0"/>
+              </a:rPr>
+              <a:t>cmp</a:t>
+            </a:r>
+            <a:r>
+              <a:rPr lang="en-US" sz="1200" i="0" dirty="0">
+                <a:solidFill>
+                  <a:schemeClr val="accent2"/>
+                </a:solidFill>
+                <a:latin typeface="Courier New" panose="02070309020205020404" pitchFamily="49" charset="0"/>
+                <a:cs typeface="Courier New" panose="02070309020205020404" pitchFamily="49" charset="0"/>
+              </a:rPr>
+              <a:t>		r2, #0		;check if end of string</a:t>
             </a:r>
           </a:p>
           <a:p>
@@ -14704,7 +14906,7 @@
                 <a:latin typeface="Courier New" panose="02070309020205020404" pitchFamily="49" charset="0"/>
                 <a:cs typeface="Courier New" panose="02070309020205020404" pitchFamily="49" charset="0"/>
               </a:rPr>
-              <a:t>		</a:t>
+              <a:t>		BNE		LENCICLE	;repeat if not end of string</a:t>
             </a:r>
           </a:p>
           <a:p>
@@ -14721,7 +14923,7 @@
                 <a:latin typeface="Courier New" panose="02070309020205020404" pitchFamily="49" charset="0"/>
                 <a:cs typeface="Courier New" panose="02070309020205020404" pitchFamily="49" charset="0"/>
               </a:rPr>
-              <a:t>		;input R0 string / output: R1 count</a:t>
+              <a:t>		sub		r1, r1, #1	;discount last count for end of string</a:t>
             </a:r>
           </a:p>
           <a:p>
@@ -14733,30 +14935,23 @@
             <a:r>
               <a:rPr lang="en-US" sz="1200" i="0" dirty="0">
                 <a:solidFill>
-                  <a:srgbClr val="FF0000"/>
+                  <a:schemeClr val="accent2"/>
                 </a:solidFill>
                 <a:latin typeface="Courier New" panose="02070309020205020404" pitchFamily="49" charset="0"/>
                 <a:cs typeface="Courier New" panose="02070309020205020404" pitchFamily="49" charset="0"/>
               </a:rPr>
-              <a:t>STRLEN </a:t>
-            </a:r>
-            <a:r>
-              <a:rPr lang="en-US" sz="1200" i="0" dirty="0">
+              <a:t>		mov		r15, r14 	;return </a:t>
+            </a:r>
+            <a:r>
+              <a:rPr lang="en-US" sz="1200" i="0" dirty="0" err="1">
                 <a:solidFill>
                   <a:schemeClr val="accent2"/>
                 </a:solidFill>
                 <a:latin typeface="Courier New" panose="02070309020205020404" pitchFamily="49" charset="0"/>
                 <a:cs typeface="Courier New" panose="02070309020205020404" pitchFamily="49" charset="0"/>
               </a:rPr>
-              <a:t>	mov r1, #0		;R1 will gave the size</a:t>
-            </a:r>
-          </a:p>
-          <a:p>
-            <a:pPr marL="179388" lvl="1" algn="just" defTabSz="624078">
-              <a:lnSpc>
-                <a:spcPct val="120000"/>
-              </a:lnSpc>
-            </a:pPr>
+              <a:t>VisUAL</a:t>
+            </a:r>
             <a:r>
               <a:rPr lang="en-US" sz="1200" i="0" dirty="0">
                 <a:solidFill>
@@ -14765,92 +14960,7 @@
                 <a:latin typeface="Courier New" panose="02070309020205020404" pitchFamily="49" charset="0"/>
                 <a:cs typeface="Courier New" panose="02070309020205020404" pitchFamily="49" charset="0"/>
               </a:rPr>
-              <a:t>LENCICLE	ldr r2, [r0], #4	;get char and post increment</a:t>
-            </a:r>
-          </a:p>
-          <a:p>
-            <a:pPr marL="179388" lvl="1" algn="just" defTabSz="624078">
-              <a:lnSpc>
-                <a:spcPct val="120000"/>
-              </a:lnSpc>
-            </a:pPr>
-            <a:r>
-              <a:rPr lang="en-US" sz="1200" i="0" dirty="0">
-                <a:solidFill>
-                  <a:schemeClr val="accent2"/>
-                </a:solidFill>
-                <a:latin typeface="Courier New" panose="02070309020205020404" pitchFamily="49" charset="0"/>
-                <a:cs typeface="Courier New" panose="02070309020205020404" pitchFamily="49" charset="0"/>
-              </a:rPr>
-              <a:t>		add r1, #1		;add one more char count</a:t>
-            </a:r>
-          </a:p>
-          <a:p>
-            <a:pPr marL="179388" lvl="1" algn="just" defTabSz="624078">
-              <a:lnSpc>
-                <a:spcPct val="120000"/>
-              </a:lnSpc>
-            </a:pPr>
-            <a:r>
-              <a:rPr lang="en-US" sz="1200" i="0" dirty="0">
-                <a:solidFill>
-                  <a:schemeClr val="accent2"/>
-                </a:solidFill>
-                <a:latin typeface="Courier New" panose="02070309020205020404" pitchFamily="49" charset="0"/>
-                <a:cs typeface="Courier New" panose="02070309020205020404" pitchFamily="49" charset="0"/>
-              </a:rPr>
-              <a:t>		cmp r2, #0		;check if end of string</a:t>
-            </a:r>
-          </a:p>
-          <a:p>
-            <a:pPr marL="179388" lvl="1" algn="just" defTabSz="624078">
-              <a:lnSpc>
-                <a:spcPct val="120000"/>
-              </a:lnSpc>
-            </a:pPr>
-            <a:r>
-              <a:rPr lang="en-US" sz="1200" i="0" dirty="0">
-                <a:solidFill>
-                  <a:schemeClr val="accent2"/>
-                </a:solidFill>
-                <a:latin typeface="Courier New" panose="02070309020205020404" pitchFamily="49" charset="0"/>
-                <a:cs typeface="Courier New" panose="02070309020205020404" pitchFamily="49" charset="0"/>
-              </a:rPr>
-              <a:t>		BNE LENCICLE		;repeat if not end of string</a:t>
-            </a:r>
-          </a:p>
-          <a:p>
-            <a:pPr marL="179388" lvl="1" algn="just" defTabSz="624078">
-              <a:lnSpc>
-                <a:spcPct val="120000"/>
-              </a:lnSpc>
-            </a:pPr>
-            <a:r>
-              <a:rPr lang="en-US" sz="1200" i="0" dirty="0">
-                <a:solidFill>
-                  <a:schemeClr val="accent2"/>
-                </a:solidFill>
-                <a:latin typeface="Courier New" panose="02070309020205020404" pitchFamily="49" charset="0"/>
-                <a:cs typeface="Courier New" panose="02070309020205020404" pitchFamily="49" charset="0"/>
-              </a:rPr>
-              <a:t>		sub r1, #1		;discount last count for end of string</a:t>
-            </a:r>
-          </a:p>
-          <a:p>
-            <a:pPr marL="179388" lvl="1" algn="just" defTabSz="624078">
-              <a:lnSpc>
-                <a:spcPct val="120000"/>
-              </a:lnSpc>
-            </a:pPr>
-            <a:r>
-              <a:rPr lang="en-US" sz="1200" i="0" dirty="0">
-                <a:solidFill>
-                  <a:schemeClr val="accent2"/>
-                </a:solidFill>
-                <a:latin typeface="Courier New" panose="02070309020205020404" pitchFamily="49" charset="0"/>
-                <a:cs typeface="Courier New" panose="02070309020205020404" pitchFamily="49" charset="0"/>
-              </a:rPr>
-              <a:t>		BX RL 			;return, in VisUAL use MOV R15, R14</a:t>
+              <a:t> MOV R15, R14 / BX LR in system</a:t>
             </a:r>
           </a:p>
         </p:txBody>
